--- a/slides/Unit27_Standard IO.pptx
+++ b/slides/Unit27_Standard IO.pptx
@@ -187,7 +187,7 @@
 <file path=ppt/revisionInfo.xml><?xml version="1.0" encoding="utf-8"?>
 <p1510:revInfo xmlns:a="http://schemas.openxmlformats.org/drawingml/2006/main" xmlns:r="http://schemas.openxmlformats.org/officeDocument/2006/relationships" xmlns:p1510="http://schemas.microsoft.com/office/powerpoint/2015/10/main">
   <p1510:revLst>
-    <p1510:client id="{7F73B1B0-8E57-4240-A6A7-9B762642CA3F}" v="1" dt="2024-04-09T01:38:00.128"/>
+    <p1510:client id="{7F73B1B0-8E57-4240-A6A7-9B762642CA3F}" v="2" dt="2024-04-09T06:06:28.668"/>
   </p1510:revLst>
 </p1510:revInfo>
 </file>
@@ -1442,18 +1442,64 @@
   </pc:docChgLst>
   <pc:docChgLst>
     <pc:chgData name="Zhao Jin" userId="cd05a825-544c-438a-9ba1-08e63db50b47" providerId="ADAL" clId="{7F73B1B0-8E57-4240-A6A7-9B762642CA3F}"/>
-    <pc:docChg chg="undo custSel modSld">
-      <pc:chgData name="Zhao Jin" userId="cd05a825-544c-438a-9ba1-08e63db50b47" providerId="ADAL" clId="{7F73B1B0-8E57-4240-A6A7-9B762642CA3F}" dt="2024-04-09T01:38:00.128" v="15" actId="207"/>
+    <pc:docChg chg="undo custSel modSld modMainMaster">
+      <pc:chgData name="Zhao Jin" userId="cd05a825-544c-438a-9ba1-08e63db50b47" providerId="ADAL" clId="{7F73B1B0-8E57-4240-A6A7-9B762642CA3F}" dt="2024-04-09T06:06:28.667" v="18"/>
       <pc:docMkLst>
         <pc:docMk/>
       </pc:docMkLst>
       <pc:sldChg chg="modSp mod">
-        <pc:chgData name="Zhao Jin" userId="cd05a825-544c-438a-9ba1-08e63db50b47" providerId="ADAL" clId="{7F73B1B0-8E57-4240-A6A7-9B762642CA3F}" dt="2024-04-08T05:36:08.044" v="11" actId="20577"/>
+        <pc:chgData name="Zhao Jin" userId="cd05a825-544c-438a-9ba1-08e63db50b47" providerId="ADAL" clId="{7F73B1B0-8E57-4240-A6A7-9B762642CA3F}" dt="2024-04-09T06:06:16.494" v="16" actId="20577"/>
+        <pc:sldMkLst>
+          <pc:docMk/>
+          <pc:sldMk cId="0" sldId="256"/>
+        </pc:sldMkLst>
+        <pc:spChg chg="mod">
+          <ac:chgData name="Zhao Jin" userId="cd05a825-544c-438a-9ba1-08e63db50b47" providerId="ADAL" clId="{7F73B1B0-8E57-4240-A6A7-9B762642CA3F}" dt="2024-04-09T06:06:16.494" v="16" actId="20577"/>
+          <ac:spMkLst>
+            <pc:docMk/>
+            <pc:sldMk cId="0" sldId="256"/>
+            <ac:spMk id="8" creationId="{00000000-0000-0000-0000-000000000000}"/>
+          </ac:spMkLst>
+        </pc:spChg>
+      </pc:sldChg>
+      <pc:sldChg chg="modSp mod">
+        <pc:chgData name="Zhao Jin" userId="cd05a825-544c-438a-9ba1-08e63db50b47" providerId="ADAL" clId="{7F73B1B0-8E57-4240-A6A7-9B762642CA3F}" dt="2024-04-09T06:06:28.667" v="18"/>
+        <pc:sldMkLst>
+          <pc:docMk/>
+          <pc:sldMk cId="2438607696" sldId="468"/>
+        </pc:sldMkLst>
+        <pc:spChg chg="mod">
+          <ac:chgData name="Zhao Jin" userId="cd05a825-544c-438a-9ba1-08e63db50b47" providerId="ADAL" clId="{7F73B1B0-8E57-4240-A6A7-9B762642CA3F}" dt="2024-04-09T06:06:28.667" v="18"/>
+          <ac:spMkLst>
+            <pc:docMk/>
+            <pc:sldMk cId="2438607696" sldId="468"/>
+            <ac:spMk id="3" creationId="{4E46A6A9-AF5D-3B81-33BA-2A734FDB7922}"/>
+          </ac:spMkLst>
+        </pc:spChg>
+        <pc:spChg chg="mod">
+          <ac:chgData name="Zhao Jin" userId="cd05a825-544c-438a-9ba1-08e63db50b47" providerId="ADAL" clId="{7F73B1B0-8E57-4240-A6A7-9B762642CA3F}" dt="2024-04-09T06:06:19.500" v="17" actId="20577"/>
+          <ac:spMkLst>
+            <pc:docMk/>
+            <pc:sldMk cId="2438607696" sldId="468"/>
+            <ac:spMk id="14338" creationId="{00000000-0000-0000-0000-000000000000}"/>
+          </ac:spMkLst>
+        </pc:spChg>
+      </pc:sldChg>
+      <pc:sldChg chg="modSp mod">
+        <pc:chgData name="Zhao Jin" userId="cd05a825-544c-438a-9ba1-08e63db50b47" providerId="ADAL" clId="{7F73B1B0-8E57-4240-A6A7-9B762642CA3F}" dt="2024-04-09T06:06:28.667" v="18"/>
         <pc:sldMkLst>
           <pc:docMk/>
           <pc:sldMk cId="1067695719" sldId="526"/>
         </pc:sldMkLst>
         <pc:spChg chg="mod">
+          <ac:chgData name="Zhao Jin" userId="cd05a825-544c-438a-9ba1-08e63db50b47" providerId="ADAL" clId="{7F73B1B0-8E57-4240-A6A7-9B762642CA3F}" dt="2024-04-09T06:06:28.667" v="18"/>
+          <ac:spMkLst>
+            <pc:docMk/>
+            <pc:sldMk cId="1067695719" sldId="526"/>
+            <ac:spMk id="3" creationId="{4BB4ADD7-ABCD-C379-8541-F981F2FD1AEE}"/>
+          </ac:spMkLst>
+        </pc:spChg>
+        <pc:spChg chg="mod">
           <ac:chgData name="Zhao Jin" userId="cd05a825-544c-438a-9ba1-08e63db50b47" providerId="ADAL" clId="{7F73B1B0-8E57-4240-A6A7-9B762642CA3F}" dt="2024-04-08T05:36:08.044" v="11" actId="20577"/>
           <ac:spMkLst>
             <pc:docMk/>
@@ -1462,13 +1508,96 @@
           </ac:spMkLst>
         </pc:spChg>
       </pc:sldChg>
+      <pc:sldChg chg="modSp">
+        <pc:chgData name="Zhao Jin" userId="cd05a825-544c-438a-9ba1-08e63db50b47" providerId="ADAL" clId="{7F73B1B0-8E57-4240-A6A7-9B762642CA3F}" dt="2024-04-09T06:06:28.667" v="18"/>
+        <pc:sldMkLst>
+          <pc:docMk/>
+          <pc:sldMk cId="1565163798" sldId="575"/>
+        </pc:sldMkLst>
+        <pc:spChg chg="mod">
+          <ac:chgData name="Zhao Jin" userId="cd05a825-544c-438a-9ba1-08e63db50b47" providerId="ADAL" clId="{7F73B1B0-8E57-4240-A6A7-9B762642CA3F}" dt="2024-04-09T06:06:28.667" v="18"/>
+          <ac:spMkLst>
+            <pc:docMk/>
+            <pc:sldMk cId="1565163798" sldId="575"/>
+            <ac:spMk id="3" creationId="{9FF905E4-CB1D-2139-CE41-D68FE9CEC43F}"/>
+          </ac:spMkLst>
+        </pc:spChg>
+      </pc:sldChg>
+      <pc:sldChg chg="modSp">
+        <pc:chgData name="Zhao Jin" userId="cd05a825-544c-438a-9ba1-08e63db50b47" providerId="ADAL" clId="{7F73B1B0-8E57-4240-A6A7-9B762642CA3F}" dt="2024-04-09T06:06:28.667" v="18"/>
+        <pc:sldMkLst>
+          <pc:docMk/>
+          <pc:sldMk cId="2550500962" sldId="592"/>
+        </pc:sldMkLst>
+        <pc:spChg chg="mod">
+          <ac:chgData name="Zhao Jin" userId="cd05a825-544c-438a-9ba1-08e63db50b47" providerId="ADAL" clId="{7F73B1B0-8E57-4240-A6A7-9B762642CA3F}" dt="2024-04-09T06:06:28.667" v="18"/>
+          <ac:spMkLst>
+            <pc:docMk/>
+            <pc:sldMk cId="2550500962" sldId="592"/>
+            <ac:spMk id="3" creationId="{D8913708-8105-9106-AD64-10AC953634D8}"/>
+          </ac:spMkLst>
+        </pc:spChg>
+      </pc:sldChg>
+      <pc:sldChg chg="modSp">
+        <pc:chgData name="Zhao Jin" userId="cd05a825-544c-438a-9ba1-08e63db50b47" providerId="ADAL" clId="{7F73B1B0-8E57-4240-A6A7-9B762642CA3F}" dt="2024-04-09T06:06:28.667" v="18"/>
+        <pc:sldMkLst>
+          <pc:docMk/>
+          <pc:sldMk cId="1813128722" sldId="617"/>
+        </pc:sldMkLst>
+        <pc:spChg chg="mod">
+          <ac:chgData name="Zhao Jin" userId="cd05a825-544c-438a-9ba1-08e63db50b47" providerId="ADAL" clId="{7F73B1B0-8E57-4240-A6A7-9B762642CA3F}" dt="2024-04-09T06:06:28.667" v="18"/>
+          <ac:spMkLst>
+            <pc:docMk/>
+            <pc:sldMk cId="1813128722" sldId="617"/>
+            <ac:spMk id="3" creationId="{ADE5510D-DADB-B96F-C135-26E7694FDA32}"/>
+          </ac:spMkLst>
+        </pc:spChg>
+      </pc:sldChg>
+      <pc:sldChg chg="modSp">
+        <pc:chgData name="Zhao Jin" userId="cd05a825-544c-438a-9ba1-08e63db50b47" providerId="ADAL" clId="{7F73B1B0-8E57-4240-A6A7-9B762642CA3F}" dt="2024-04-09T06:06:28.667" v="18"/>
+        <pc:sldMkLst>
+          <pc:docMk/>
+          <pc:sldMk cId="3454948446" sldId="636"/>
+        </pc:sldMkLst>
+        <pc:spChg chg="mod">
+          <ac:chgData name="Zhao Jin" userId="cd05a825-544c-438a-9ba1-08e63db50b47" providerId="ADAL" clId="{7F73B1B0-8E57-4240-A6A7-9B762642CA3F}" dt="2024-04-09T06:06:28.667" v="18"/>
+          <ac:spMkLst>
+            <pc:docMk/>
+            <pc:sldMk cId="3454948446" sldId="636"/>
+            <ac:spMk id="3" creationId="{78939C80-EAED-4574-FBA6-5F44C7C70250}"/>
+          </ac:spMkLst>
+        </pc:spChg>
+      </pc:sldChg>
+      <pc:sldChg chg="modSp">
+        <pc:chgData name="Zhao Jin" userId="cd05a825-544c-438a-9ba1-08e63db50b47" providerId="ADAL" clId="{7F73B1B0-8E57-4240-A6A7-9B762642CA3F}" dt="2024-04-09T06:06:28.667" v="18"/>
+        <pc:sldMkLst>
+          <pc:docMk/>
+          <pc:sldMk cId="234197343" sldId="644"/>
+        </pc:sldMkLst>
+        <pc:spChg chg="mod">
+          <ac:chgData name="Zhao Jin" userId="cd05a825-544c-438a-9ba1-08e63db50b47" providerId="ADAL" clId="{7F73B1B0-8E57-4240-A6A7-9B762642CA3F}" dt="2024-04-09T06:06:28.667" v="18"/>
+          <ac:spMkLst>
+            <pc:docMk/>
+            <pc:sldMk cId="234197343" sldId="644"/>
+            <ac:spMk id="3" creationId="{1E086DFC-F0A5-23B4-3B42-19F940573090}"/>
+          </ac:spMkLst>
+        </pc:spChg>
+      </pc:sldChg>
       <pc:sldChg chg="modSp mod">
-        <pc:chgData name="Zhao Jin" userId="cd05a825-544c-438a-9ba1-08e63db50b47" providerId="ADAL" clId="{7F73B1B0-8E57-4240-A6A7-9B762642CA3F}" dt="2024-04-08T05:37:27.768" v="12" actId="20577"/>
+        <pc:chgData name="Zhao Jin" userId="cd05a825-544c-438a-9ba1-08e63db50b47" providerId="ADAL" clId="{7F73B1B0-8E57-4240-A6A7-9B762642CA3F}" dt="2024-04-09T06:06:28.667" v="18"/>
         <pc:sldMkLst>
           <pc:docMk/>
           <pc:sldMk cId="81373691" sldId="645"/>
         </pc:sldMkLst>
         <pc:spChg chg="mod">
+          <ac:chgData name="Zhao Jin" userId="cd05a825-544c-438a-9ba1-08e63db50b47" providerId="ADAL" clId="{7F73B1B0-8E57-4240-A6A7-9B762642CA3F}" dt="2024-04-09T06:06:28.667" v="18"/>
+          <ac:spMkLst>
+            <pc:docMk/>
+            <pc:sldMk cId="81373691" sldId="645"/>
+            <ac:spMk id="3" creationId="{987AFF7F-B706-3ADD-620E-523C36F7DD3B}"/>
+          </ac:spMkLst>
+        </pc:spChg>
+        <pc:spChg chg="mod">
           <ac:chgData name="Zhao Jin" userId="cd05a825-544c-438a-9ba1-08e63db50b47" providerId="ADAL" clId="{7F73B1B0-8E57-4240-A6A7-9B762642CA3F}" dt="2024-04-08T05:37:27.768" v="12" actId="20577"/>
           <ac:spMkLst>
             <pc:docMk/>
@@ -1478,12 +1607,20 @@
         </pc:spChg>
       </pc:sldChg>
       <pc:sldChg chg="modSp mod">
-        <pc:chgData name="Zhao Jin" userId="cd05a825-544c-438a-9ba1-08e63db50b47" providerId="ADAL" clId="{7F73B1B0-8E57-4240-A6A7-9B762642CA3F}" dt="2024-04-09T01:38:00.128" v="15" actId="207"/>
+        <pc:chgData name="Zhao Jin" userId="cd05a825-544c-438a-9ba1-08e63db50b47" providerId="ADAL" clId="{7F73B1B0-8E57-4240-A6A7-9B762642CA3F}" dt="2024-04-09T06:06:28.667" v="18"/>
         <pc:sldMkLst>
           <pc:docMk/>
           <pc:sldMk cId="2051865563" sldId="646"/>
         </pc:sldMkLst>
         <pc:spChg chg="mod">
+          <ac:chgData name="Zhao Jin" userId="cd05a825-544c-438a-9ba1-08e63db50b47" providerId="ADAL" clId="{7F73B1B0-8E57-4240-A6A7-9B762642CA3F}" dt="2024-04-09T06:06:28.667" v="18"/>
+          <ac:spMkLst>
+            <pc:docMk/>
+            <pc:sldMk cId="2051865563" sldId="646"/>
+            <ac:spMk id="3" creationId="{803CDF6A-9D5A-5972-9AC9-DBC74593CC86}"/>
+          </ac:spMkLst>
+        </pc:spChg>
+        <pc:spChg chg="mod">
           <ac:chgData name="Zhao Jin" userId="cd05a825-544c-438a-9ba1-08e63db50b47" providerId="ADAL" clId="{7F73B1B0-8E57-4240-A6A7-9B762642CA3F}" dt="2024-04-09T01:38:00.128" v="15" actId="207"/>
           <ac:spMkLst>
             <pc:docMk/>
@@ -1492,6 +1629,238 @@
           </ac:spMkLst>
         </pc:spChg>
       </pc:sldChg>
+      <pc:sldChg chg="modSp">
+        <pc:chgData name="Zhao Jin" userId="cd05a825-544c-438a-9ba1-08e63db50b47" providerId="ADAL" clId="{7F73B1B0-8E57-4240-A6A7-9B762642CA3F}" dt="2024-04-09T06:06:28.667" v="18"/>
+        <pc:sldMkLst>
+          <pc:docMk/>
+          <pc:sldMk cId="2015606488" sldId="647"/>
+        </pc:sldMkLst>
+        <pc:spChg chg="mod">
+          <ac:chgData name="Zhao Jin" userId="cd05a825-544c-438a-9ba1-08e63db50b47" providerId="ADAL" clId="{7F73B1B0-8E57-4240-A6A7-9B762642CA3F}" dt="2024-04-09T06:06:28.667" v="18"/>
+          <ac:spMkLst>
+            <pc:docMk/>
+            <pc:sldMk cId="2015606488" sldId="647"/>
+            <ac:spMk id="3" creationId="{55224854-5070-73BA-7A52-34775E9D0FE5}"/>
+          </ac:spMkLst>
+        </pc:spChg>
+      </pc:sldChg>
+      <pc:sldChg chg="modSp">
+        <pc:chgData name="Zhao Jin" userId="cd05a825-544c-438a-9ba1-08e63db50b47" providerId="ADAL" clId="{7F73B1B0-8E57-4240-A6A7-9B762642CA3F}" dt="2024-04-09T06:06:28.667" v="18"/>
+        <pc:sldMkLst>
+          <pc:docMk/>
+          <pc:sldMk cId="4152505185" sldId="648"/>
+        </pc:sldMkLst>
+        <pc:spChg chg="mod">
+          <ac:chgData name="Zhao Jin" userId="cd05a825-544c-438a-9ba1-08e63db50b47" providerId="ADAL" clId="{7F73B1B0-8E57-4240-A6A7-9B762642CA3F}" dt="2024-04-09T06:06:28.667" v="18"/>
+          <ac:spMkLst>
+            <pc:docMk/>
+            <pc:sldMk cId="4152505185" sldId="648"/>
+            <ac:spMk id="3" creationId="{78FF7BDE-8D42-0EB8-50B9-F19A9531BDA0}"/>
+          </ac:spMkLst>
+        </pc:spChg>
+      </pc:sldChg>
+      <pc:sldMasterChg chg="modSp modSldLayout">
+        <pc:chgData name="Zhao Jin" userId="cd05a825-544c-438a-9ba1-08e63db50b47" providerId="ADAL" clId="{7F73B1B0-8E57-4240-A6A7-9B762642CA3F}" dt="2024-04-09T06:06:28.667" v="18"/>
+        <pc:sldMasterMkLst>
+          <pc:docMk/>
+          <pc:sldMasterMk cId="0" sldId="2147485087"/>
+        </pc:sldMasterMkLst>
+        <pc:spChg chg="mod">
+          <ac:chgData name="Zhao Jin" userId="cd05a825-544c-438a-9ba1-08e63db50b47" providerId="ADAL" clId="{7F73B1B0-8E57-4240-A6A7-9B762642CA3F}" dt="2024-04-09T06:06:28.667" v="18"/>
+          <ac:spMkLst>
+            <pc:docMk/>
+            <pc:sldMasterMk cId="0" sldId="2147485087"/>
+            <ac:spMk id="6" creationId="{00000000-0000-0000-0000-000000000000}"/>
+          </ac:spMkLst>
+        </pc:spChg>
+        <pc:sldLayoutChg chg="modSp">
+          <pc:chgData name="Zhao Jin" userId="cd05a825-544c-438a-9ba1-08e63db50b47" providerId="ADAL" clId="{7F73B1B0-8E57-4240-A6A7-9B762642CA3F}" dt="2024-04-09T06:06:28.667" v="18"/>
+          <pc:sldLayoutMkLst>
+            <pc:docMk/>
+            <pc:sldMasterMk cId="0" sldId="2147485087"/>
+            <pc:sldLayoutMk cId="0" sldId="2147485088"/>
+          </pc:sldLayoutMkLst>
+          <pc:spChg chg="mod">
+            <ac:chgData name="Zhao Jin" userId="cd05a825-544c-438a-9ba1-08e63db50b47" providerId="ADAL" clId="{7F73B1B0-8E57-4240-A6A7-9B762642CA3F}" dt="2024-04-09T06:06:28.667" v="18"/>
+            <ac:spMkLst>
+              <pc:docMk/>
+              <pc:sldMasterMk cId="0" sldId="2147485087"/>
+              <pc:sldLayoutMk cId="0" sldId="2147485088"/>
+              <ac:spMk id="6" creationId="{00000000-0000-0000-0000-000000000000}"/>
+            </ac:spMkLst>
+          </pc:spChg>
+        </pc:sldLayoutChg>
+        <pc:sldLayoutChg chg="modSp">
+          <pc:chgData name="Zhao Jin" userId="cd05a825-544c-438a-9ba1-08e63db50b47" providerId="ADAL" clId="{7F73B1B0-8E57-4240-A6A7-9B762642CA3F}" dt="2024-04-09T06:06:28.667" v="18"/>
+          <pc:sldLayoutMkLst>
+            <pc:docMk/>
+            <pc:sldMasterMk cId="0" sldId="2147485087"/>
+            <pc:sldLayoutMk cId="0" sldId="2147485089"/>
+          </pc:sldLayoutMkLst>
+          <pc:spChg chg="mod">
+            <ac:chgData name="Zhao Jin" userId="cd05a825-544c-438a-9ba1-08e63db50b47" providerId="ADAL" clId="{7F73B1B0-8E57-4240-A6A7-9B762642CA3F}" dt="2024-04-09T06:06:28.667" v="18"/>
+            <ac:spMkLst>
+              <pc:docMk/>
+              <pc:sldMasterMk cId="0" sldId="2147485087"/>
+              <pc:sldLayoutMk cId="0" sldId="2147485089"/>
+              <ac:spMk id="6" creationId="{00000000-0000-0000-0000-000000000000}"/>
+            </ac:spMkLst>
+          </pc:spChg>
+        </pc:sldLayoutChg>
+        <pc:sldLayoutChg chg="modSp">
+          <pc:chgData name="Zhao Jin" userId="cd05a825-544c-438a-9ba1-08e63db50b47" providerId="ADAL" clId="{7F73B1B0-8E57-4240-A6A7-9B762642CA3F}" dt="2024-04-09T06:06:28.667" v="18"/>
+          <pc:sldLayoutMkLst>
+            <pc:docMk/>
+            <pc:sldMasterMk cId="0" sldId="2147485087"/>
+            <pc:sldLayoutMk cId="0" sldId="2147485090"/>
+          </pc:sldLayoutMkLst>
+          <pc:spChg chg="mod">
+            <ac:chgData name="Zhao Jin" userId="cd05a825-544c-438a-9ba1-08e63db50b47" providerId="ADAL" clId="{7F73B1B0-8E57-4240-A6A7-9B762642CA3F}" dt="2024-04-09T06:06:28.667" v="18"/>
+            <ac:spMkLst>
+              <pc:docMk/>
+              <pc:sldMasterMk cId="0" sldId="2147485087"/>
+              <pc:sldLayoutMk cId="0" sldId="2147485090"/>
+              <ac:spMk id="6" creationId="{00000000-0000-0000-0000-000000000000}"/>
+            </ac:spMkLst>
+          </pc:spChg>
+        </pc:sldLayoutChg>
+        <pc:sldLayoutChg chg="modSp">
+          <pc:chgData name="Zhao Jin" userId="cd05a825-544c-438a-9ba1-08e63db50b47" providerId="ADAL" clId="{7F73B1B0-8E57-4240-A6A7-9B762642CA3F}" dt="2024-04-09T06:06:28.667" v="18"/>
+          <pc:sldLayoutMkLst>
+            <pc:docMk/>
+            <pc:sldMasterMk cId="0" sldId="2147485087"/>
+            <pc:sldLayoutMk cId="0" sldId="2147485091"/>
+          </pc:sldLayoutMkLst>
+          <pc:spChg chg="mod">
+            <ac:chgData name="Zhao Jin" userId="cd05a825-544c-438a-9ba1-08e63db50b47" providerId="ADAL" clId="{7F73B1B0-8E57-4240-A6A7-9B762642CA3F}" dt="2024-04-09T06:06:28.667" v="18"/>
+            <ac:spMkLst>
+              <pc:docMk/>
+              <pc:sldMasterMk cId="0" sldId="2147485087"/>
+              <pc:sldLayoutMk cId="0" sldId="2147485091"/>
+              <ac:spMk id="7" creationId="{00000000-0000-0000-0000-000000000000}"/>
+            </ac:spMkLst>
+          </pc:spChg>
+        </pc:sldLayoutChg>
+        <pc:sldLayoutChg chg="modSp">
+          <pc:chgData name="Zhao Jin" userId="cd05a825-544c-438a-9ba1-08e63db50b47" providerId="ADAL" clId="{7F73B1B0-8E57-4240-A6A7-9B762642CA3F}" dt="2024-04-09T06:06:28.667" v="18"/>
+          <pc:sldLayoutMkLst>
+            <pc:docMk/>
+            <pc:sldMasterMk cId="0" sldId="2147485087"/>
+            <pc:sldLayoutMk cId="0" sldId="2147485092"/>
+          </pc:sldLayoutMkLst>
+          <pc:spChg chg="mod">
+            <ac:chgData name="Zhao Jin" userId="cd05a825-544c-438a-9ba1-08e63db50b47" providerId="ADAL" clId="{7F73B1B0-8E57-4240-A6A7-9B762642CA3F}" dt="2024-04-09T06:06:28.667" v="18"/>
+            <ac:spMkLst>
+              <pc:docMk/>
+              <pc:sldMasterMk cId="0" sldId="2147485087"/>
+              <pc:sldLayoutMk cId="0" sldId="2147485092"/>
+              <ac:spMk id="9" creationId="{00000000-0000-0000-0000-000000000000}"/>
+            </ac:spMkLst>
+          </pc:spChg>
+        </pc:sldLayoutChg>
+        <pc:sldLayoutChg chg="modSp">
+          <pc:chgData name="Zhao Jin" userId="cd05a825-544c-438a-9ba1-08e63db50b47" providerId="ADAL" clId="{7F73B1B0-8E57-4240-A6A7-9B762642CA3F}" dt="2024-04-09T06:06:28.667" v="18"/>
+          <pc:sldLayoutMkLst>
+            <pc:docMk/>
+            <pc:sldMasterMk cId="0" sldId="2147485087"/>
+            <pc:sldLayoutMk cId="0" sldId="2147485093"/>
+          </pc:sldLayoutMkLst>
+          <pc:spChg chg="mod">
+            <ac:chgData name="Zhao Jin" userId="cd05a825-544c-438a-9ba1-08e63db50b47" providerId="ADAL" clId="{7F73B1B0-8E57-4240-A6A7-9B762642CA3F}" dt="2024-04-09T06:06:28.667" v="18"/>
+            <ac:spMkLst>
+              <pc:docMk/>
+              <pc:sldMasterMk cId="0" sldId="2147485087"/>
+              <pc:sldLayoutMk cId="0" sldId="2147485093"/>
+              <ac:spMk id="5" creationId="{00000000-0000-0000-0000-000000000000}"/>
+            </ac:spMkLst>
+          </pc:spChg>
+        </pc:sldLayoutChg>
+        <pc:sldLayoutChg chg="modSp">
+          <pc:chgData name="Zhao Jin" userId="cd05a825-544c-438a-9ba1-08e63db50b47" providerId="ADAL" clId="{7F73B1B0-8E57-4240-A6A7-9B762642CA3F}" dt="2024-04-09T06:06:28.667" v="18"/>
+          <pc:sldLayoutMkLst>
+            <pc:docMk/>
+            <pc:sldMasterMk cId="0" sldId="2147485087"/>
+            <pc:sldLayoutMk cId="0" sldId="2147485094"/>
+          </pc:sldLayoutMkLst>
+          <pc:spChg chg="mod">
+            <ac:chgData name="Zhao Jin" userId="cd05a825-544c-438a-9ba1-08e63db50b47" providerId="ADAL" clId="{7F73B1B0-8E57-4240-A6A7-9B762642CA3F}" dt="2024-04-09T06:06:28.667" v="18"/>
+            <ac:spMkLst>
+              <pc:docMk/>
+              <pc:sldMasterMk cId="0" sldId="2147485087"/>
+              <pc:sldLayoutMk cId="0" sldId="2147485094"/>
+              <ac:spMk id="4" creationId="{00000000-0000-0000-0000-000000000000}"/>
+            </ac:spMkLst>
+          </pc:spChg>
+        </pc:sldLayoutChg>
+        <pc:sldLayoutChg chg="modSp">
+          <pc:chgData name="Zhao Jin" userId="cd05a825-544c-438a-9ba1-08e63db50b47" providerId="ADAL" clId="{7F73B1B0-8E57-4240-A6A7-9B762642CA3F}" dt="2024-04-09T06:06:28.667" v="18"/>
+          <pc:sldLayoutMkLst>
+            <pc:docMk/>
+            <pc:sldMasterMk cId="0" sldId="2147485087"/>
+            <pc:sldLayoutMk cId="0" sldId="2147485095"/>
+          </pc:sldLayoutMkLst>
+          <pc:spChg chg="mod">
+            <ac:chgData name="Zhao Jin" userId="cd05a825-544c-438a-9ba1-08e63db50b47" providerId="ADAL" clId="{7F73B1B0-8E57-4240-A6A7-9B762642CA3F}" dt="2024-04-09T06:06:28.667" v="18"/>
+            <ac:spMkLst>
+              <pc:docMk/>
+              <pc:sldMasterMk cId="0" sldId="2147485087"/>
+              <pc:sldLayoutMk cId="0" sldId="2147485095"/>
+              <ac:spMk id="7" creationId="{00000000-0000-0000-0000-000000000000}"/>
+            </ac:spMkLst>
+          </pc:spChg>
+        </pc:sldLayoutChg>
+        <pc:sldLayoutChg chg="modSp">
+          <pc:chgData name="Zhao Jin" userId="cd05a825-544c-438a-9ba1-08e63db50b47" providerId="ADAL" clId="{7F73B1B0-8E57-4240-A6A7-9B762642CA3F}" dt="2024-04-09T06:06:28.667" v="18"/>
+          <pc:sldLayoutMkLst>
+            <pc:docMk/>
+            <pc:sldMasterMk cId="0" sldId="2147485087"/>
+            <pc:sldLayoutMk cId="0" sldId="2147485096"/>
+          </pc:sldLayoutMkLst>
+          <pc:spChg chg="mod">
+            <ac:chgData name="Zhao Jin" userId="cd05a825-544c-438a-9ba1-08e63db50b47" providerId="ADAL" clId="{7F73B1B0-8E57-4240-A6A7-9B762642CA3F}" dt="2024-04-09T06:06:28.667" v="18"/>
+            <ac:spMkLst>
+              <pc:docMk/>
+              <pc:sldMasterMk cId="0" sldId="2147485087"/>
+              <pc:sldLayoutMk cId="0" sldId="2147485096"/>
+              <ac:spMk id="7" creationId="{00000000-0000-0000-0000-000000000000}"/>
+            </ac:spMkLst>
+          </pc:spChg>
+        </pc:sldLayoutChg>
+        <pc:sldLayoutChg chg="modSp">
+          <pc:chgData name="Zhao Jin" userId="cd05a825-544c-438a-9ba1-08e63db50b47" providerId="ADAL" clId="{7F73B1B0-8E57-4240-A6A7-9B762642CA3F}" dt="2024-04-09T06:06:28.667" v="18"/>
+          <pc:sldLayoutMkLst>
+            <pc:docMk/>
+            <pc:sldMasterMk cId="0" sldId="2147485087"/>
+            <pc:sldLayoutMk cId="0" sldId="2147485097"/>
+          </pc:sldLayoutMkLst>
+          <pc:spChg chg="mod">
+            <ac:chgData name="Zhao Jin" userId="cd05a825-544c-438a-9ba1-08e63db50b47" providerId="ADAL" clId="{7F73B1B0-8E57-4240-A6A7-9B762642CA3F}" dt="2024-04-09T06:06:28.667" v="18"/>
+            <ac:spMkLst>
+              <pc:docMk/>
+              <pc:sldMasterMk cId="0" sldId="2147485087"/>
+              <pc:sldLayoutMk cId="0" sldId="2147485097"/>
+              <ac:spMk id="6" creationId="{00000000-0000-0000-0000-000000000000}"/>
+            </ac:spMkLst>
+          </pc:spChg>
+        </pc:sldLayoutChg>
+        <pc:sldLayoutChg chg="modSp">
+          <pc:chgData name="Zhao Jin" userId="cd05a825-544c-438a-9ba1-08e63db50b47" providerId="ADAL" clId="{7F73B1B0-8E57-4240-A6A7-9B762642CA3F}" dt="2024-04-09T06:06:28.667" v="18"/>
+          <pc:sldLayoutMkLst>
+            <pc:docMk/>
+            <pc:sldMasterMk cId="0" sldId="2147485087"/>
+            <pc:sldLayoutMk cId="0" sldId="2147485098"/>
+          </pc:sldLayoutMkLst>
+          <pc:spChg chg="mod">
+            <ac:chgData name="Zhao Jin" userId="cd05a825-544c-438a-9ba1-08e63db50b47" providerId="ADAL" clId="{7F73B1B0-8E57-4240-A6A7-9B762642CA3F}" dt="2024-04-09T06:06:28.667" v="18"/>
+            <ac:spMkLst>
+              <pc:docMk/>
+              <pc:sldMasterMk cId="0" sldId="2147485087"/>
+              <pc:sldLayoutMk cId="0" sldId="2147485098"/>
+              <ac:spMk id="6" creationId="{00000000-0000-0000-0000-000000000000}"/>
+            </ac:spMkLst>
+          </pc:spChg>
+        </pc:sldLayoutChg>
+      </pc:sldMasterChg>
     </pc:docChg>
   </pc:docChgLst>
   <pc:docChgLst>
@@ -12296,7 +12665,7 @@
             </a:pPr>
             <a:r>
               <a:rPr lang="en-US" dirty="0"/>
-              <a:t>Unit29 - </a:t>
+              <a:t>Unit27 - </a:t>
             </a:r>
             <a:fld id="{2E4790E1-2590-4AEE-892D-AB46A7688113}" type="slidenum">
               <a:rPr lang="en-US" smtClean="0"/>
@@ -12517,7 +12886,7 @@
             </a:pPr>
             <a:r>
               <a:rPr lang="en-US" dirty="0"/>
-              <a:t>Unit29 - </a:t>
+              <a:t>Unit27 - </a:t>
             </a:r>
             <a:fld id="{2E4790E1-2590-4AEE-892D-AB46A7688113}" type="slidenum">
               <a:rPr lang="en-US" smtClean="0"/>
@@ -12715,7 +13084,7 @@
             </a:pPr>
             <a:r>
               <a:rPr lang="en-US" dirty="0"/>
-              <a:t>Unit29 - </a:t>
+              <a:t>Unit27 - </a:t>
             </a:r>
             <a:fld id="{2E4790E1-2590-4AEE-892D-AB46A7688113}" type="slidenum">
               <a:rPr lang="en-US" smtClean="0"/>
@@ -12905,7 +13274,7 @@
             </a:pPr>
             <a:r>
               <a:rPr lang="en-US" dirty="0"/>
-              <a:t>Unit29 - </a:t>
+              <a:t>Unit27 - </a:t>
             </a:r>
             <a:fld id="{2E4790E1-2590-4AEE-892D-AB46A7688113}" type="slidenum">
               <a:rPr lang="en-US" smtClean="0"/>
@@ -13180,7 +13549,7 @@
             </a:pPr>
             <a:r>
               <a:rPr lang="en-US" dirty="0"/>
-              <a:t>Unit29 - </a:t>
+              <a:t>Unit27 - </a:t>
             </a:r>
             <a:fld id="{2E4790E1-2590-4AEE-892D-AB46A7688113}" type="slidenum">
               <a:rPr lang="en-US" smtClean="0"/>
@@ -13520,7 +13889,7 @@
             </a:pPr>
             <a:r>
               <a:rPr lang="en-US" dirty="0"/>
-              <a:t>Unit29 - </a:t>
+              <a:t>Unit27 - </a:t>
             </a:r>
             <a:fld id="{2E4790E1-2590-4AEE-892D-AB46A7688113}" type="slidenum">
               <a:rPr lang="en-US" smtClean="0"/>
@@ -14009,7 +14378,7 @@
             </a:pPr>
             <a:r>
               <a:rPr lang="en-US" dirty="0"/>
-              <a:t>Unit29 - </a:t>
+              <a:t>Unit27 - </a:t>
             </a:r>
             <a:fld id="{2E4790E1-2590-4AEE-892D-AB46A7688113}" type="slidenum">
               <a:rPr lang="en-US" smtClean="0"/>
@@ -14179,7 +14548,7 @@
             </a:pPr>
             <a:r>
               <a:rPr lang="en-US" dirty="0"/>
-              <a:t>Unit29 - </a:t>
+              <a:t>Unit27 - </a:t>
             </a:r>
             <a:fld id="{2E4790E1-2590-4AEE-892D-AB46A7688113}" type="slidenum">
               <a:rPr lang="en-US" smtClean="0"/>
@@ -14292,7 +14661,7 @@
             </a:pPr>
             <a:r>
               <a:rPr lang="en-US" dirty="0"/>
-              <a:t>Unit29 - </a:t>
+              <a:t>Unit27 - </a:t>
             </a:r>
             <a:fld id="{2E4790E1-2590-4AEE-892D-AB46A7688113}" type="slidenum">
               <a:rPr lang="en-US" smtClean="0"/>
@@ -14589,7 +14958,7 @@
             </a:pPr>
             <a:r>
               <a:rPr lang="en-US" dirty="0"/>
-              <a:t>Unit29 - </a:t>
+              <a:t>Unit27 - </a:t>
             </a:r>
             <a:fld id="{2E4790E1-2590-4AEE-892D-AB46A7688113}" type="slidenum">
               <a:rPr lang="en-US" smtClean="0"/>
@@ -14916,7 +15285,7 @@
             </a:pPr>
             <a:r>
               <a:rPr lang="en-US" dirty="0"/>
-              <a:t>Unit29 - </a:t>
+              <a:t>Unit27 - </a:t>
             </a:r>
             <a:fld id="{2E4790E1-2590-4AEE-892D-AB46A7688113}" type="slidenum">
               <a:rPr lang="en-US" smtClean="0"/>
@@ -15268,7 +15637,7 @@
             </a:pPr>
             <a:r>
               <a:rPr lang="en-US" dirty="0"/>
-              <a:t>Unit29 - </a:t>
+              <a:t>Unit27 - </a:t>
             </a:r>
             <a:fld id="{2E4790E1-2590-4AEE-892D-AB46A7688113}" type="slidenum">
               <a:rPr lang="en-US" smtClean="0"/>
@@ -15662,7 +16031,7 @@
                 </a:solidFill>
                 <a:latin typeface="Calibri" panose="020F0502020204030204" pitchFamily="34" charset="0"/>
               </a:rPr>
-              <a:t>UNIT 29</a:t>
+              <a:t>UNIT 27</a:t>
             </a:r>
           </a:p>
         </p:txBody>
@@ -16358,8 +16727,8 @@
               <a:defRPr/>
             </a:pPr>
             <a:r>
-              <a:rPr lang="en-US"/>
-              <a:t>Unit29 - </a:t>
+              <a:rPr lang="en-US" dirty="0"/>
+              <a:t>Unit27 - </a:t>
             </a:r>
             <a:fld id="{2E4790E1-2590-4AEE-892D-AB46A7688113}" type="slidenum">
               <a:rPr lang="en-US" smtClean="0"/>
@@ -17623,8 +17992,8 @@
               <a:defRPr/>
             </a:pPr>
             <a:r>
-              <a:rPr lang="en-US"/>
-              <a:t>Unit29 - </a:t>
+              <a:rPr lang="en-US" dirty="0"/>
+              <a:t>Unit27 - </a:t>
             </a:r>
             <a:fld id="{2E4790E1-2590-4AEE-892D-AB46A7688113}" type="slidenum">
               <a:rPr lang="en-US" smtClean="0"/>
@@ -18119,8 +18488,8 @@
               <a:defRPr/>
             </a:pPr>
             <a:r>
-              <a:rPr lang="en-US"/>
-              <a:t>Unit29 - </a:t>
+              <a:rPr lang="en-US" dirty="0"/>
+              <a:t>Unit27 - </a:t>
             </a:r>
             <a:fld id="{2E4790E1-2590-4AEE-892D-AB46A7688113}" type="slidenum">
               <a:rPr lang="en-US" smtClean="0"/>
@@ -18195,7 +18564,7 @@
                   <a:srgbClr val="0000FF"/>
                 </a:solidFill>
               </a:rPr>
-              <a:t>Unit 29: Standard I/O</a:t>
+              <a:t>Unit 27: Standard I/O</a:t>
             </a:r>
           </a:p>
         </p:txBody>
@@ -18351,8 +18720,8 @@
               <a:defRPr/>
             </a:pPr>
             <a:r>
-              <a:rPr lang="en-US"/>
-              <a:t>Unit29 - </a:t>
+              <a:rPr lang="en-US" dirty="0"/>
+              <a:t>Unit27 - </a:t>
             </a:r>
             <a:fld id="{2E4790E1-2590-4AEE-892D-AB46A7688113}" type="slidenum">
               <a:rPr lang="en-US" smtClean="0"/>
@@ -19390,8 +19759,8 @@
               <a:defRPr/>
             </a:pPr>
             <a:r>
-              <a:rPr lang="en-US"/>
-              <a:t>Unit29 - </a:t>
+              <a:rPr lang="en-US" dirty="0"/>
+              <a:t>Unit27 - </a:t>
             </a:r>
             <a:fld id="{2E4790E1-2590-4AEE-892D-AB46A7688113}" type="slidenum">
               <a:rPr lang="en-US" smtClean="0"/>
@@ -20679,8 +21048,8 @@
               <a:defRPr/>
             </a:pPr>
             <a:r>
-              <a:rPr lang="en-US"/>
-              <a:t>Unit29 - </a:t>
+              <a:rPr lang="en-US" dirty="0"/>
+              <a:t>Unit27 - </a:t>
             </a:r>
             <a:fld id="{2E4790E1-2590-4AEE-892D-AB46A7688113}" type="slidenum">
               <a:rPr lang="en-US" smtClean="0"/>
@@ -21768,8 +22137,8 @@
               <a:defRPr/>
             </a:pPr>
             <a:r>
-              <a:rPr lang="en-US"/>
-              <a:t>Unit29 - </a:t>
+              <a:rPr lang="en-US" dirty="0"/>
+              <a:t>Unit27 - </a:t>
             </a:r>
             <a:fld id="{2E4790E1-2590-4AEE-892D-AB46A7688113}" type="slidenum">
               <a:rPr lang="en-US" smtClean="0"/>
@@ -23029,8 +23398,8 @@
               <a:defRPr/>
             </a:pPr>
             <a:r>
-              <a:rPr lang="en-US"/>
-              <a:t>Unit29 - </a:t>
+              <a:rPr lang="en-US" dirty="0"/>
+              <a:t>Unit27 - </a:t>
             </a:r>
             <a:fld id="{2E4790E1-2590-4AEE-892D-AB46A7688113}" type="slidenum">
               <a:rPr lang="en-US" smtClean="0"/>
@@ -24124,8 +24493,8 @@
               <a:defRPr/>
             </a:pPr>
             <a:r>
-              <a:rPr lang="en-US"/>
-              <a:t>Unit29 - </a:t>
+              <a:rPr lang="en-US" dirty="0"/>
+              <a:t>Unit27 - </a:t>
             </a:r>
             <a:fld id="{2E4790E1-2590-4AEE-892D-AB46A7688113}" type="slidenum">
               <a:rPr lang="en-US" smtClean="0"/>
@@ -25389,8 +25758,8 @@
               <a:defRPr/>
             </a:pPr>
             <a:r>
-              <a:rPr lang="en-US"/>
-              <a:t>Unit29 - </a:t>
+              <a:rPr lang="en-US" dirty="0"/>
+              <a:t>Unit27 - </a:t>
             </a:r>
             <a:fld id="{2E4790E1-2590-4AEE-892D-AB46A7688113}" type="slidenum">
               <a:rPr lang="en-US" smtClean="0"/>
@@ -26384,8 +26753,8 @@
               <a:defRPr/>
             </a:pPr>
             <a:r>
-              <a:rPr lang="en-US"/>
-              <a:t>Unit29 - </a:t>
+              <a:rPr lang="en-US" dirty="0"/>
+              <a:t>Unit27 - </a:t>
             </a:r>
             <a:fld id="{2E4790E1-2590-4AEE-892D-AB46A7688113}" type="slidenum">
               <a:rPr lang="en-US" smtClean="0"/>
